--- a/Nathan Vandevoort (Director)/DinoRun  GX.pptx
+++ b/Nathan Vandevoort (Director)/DinoRun  GX.pptx
@@ -108,6 +108,11 @@
       </a:defRPr>
     </a:lvl9pPr>
   </p:defaultTextStyle>
+  <p:extLst>
+    <p:ext uri="{EFAFB233-063F-42B5-8137-9DF3F51BA10A}">
+      <p15:sldGuideLst xmlns:p15="http://schemas.microsoft.com/office/powerpoint/2012/main"/>
+    </p:ext>
+  </p:extLst>
 </p:presentation>
 </file>
 
@@ -153,10 +158,9 @@
           </a:lstStyle>
           <a:p>
             <a:r>
-              <a:rPr lang="en-US" smtClean="0"/>
+              <a:rPr lang="en-US"/>
               <a:t>Click to edit Master title style</a:t>
             </a:r>
-            <a:endParaRPr lang="en-US"/>
           </a:p>
         </p:txBody>
       </p:sp>
@@ -218,10 +222,9 @@
           </a:lstStyle>
           <a:p>
             <a:r>
-              <a:rPr lang="en-US" smtClean="0"/>
+              <a:rPr lang="en-US"/>
               <a:t>Click to edit Master subtitle style</a:t>
             </a:r>
-            <a:endParaRPr lang="en-US"/>
           </a:p>
         </p:txBody>
       </p:sp>
@@ -242,7 +245,7 @@
           <a:p>
             <a:fld id="{710028C3-478C-45F8-AF2E-265629991ED0}" type="datetimeFigureOut">
               <a:rPr lang="en-US" smtClean="0"/>
-              <a:t>2/7/2020</a:t>
+              <a:t>2/8/2020</a:t>
             </a:fld>
             <a:endParaRPr lang="en-US"/>
           </a:p>
@@ -336,10 +339,9 @@
           <a:lstStyle/>
           <a:p>
             <a:r>
-              <a:rPr lang="en-US" smtClean="0"/>
+              <a:rPr lang="en-US"/>
               <a:t>Click to edit Master title style</a:t>
             </a:r>
-            <a:endParaRPr lang="en-US"/>
           </a:p>
         </p:txBody>
       </p:sp>
@@ -360,38 +362,37 @@
           <a:p>
             <a:pPr lvl="0"/>
             <a:r>
-              <a:rPr lang="en-US" smtClean="0"/>
+              <a:rPr lang="en-US"/>
               <a:t>Edit Master text styles</a:t>
             </a:r>
           </a:p>
           <a:p>
             <a:pPr lvl="1"/>
             <a:r>
-              <a:rPr lang="en-US" smtClean="0"/>
+              <a:rPr lang="en-US"/>
               <a:t>Second level</a:t>
             </a:r>
           </a:p>
           <a:p>
             <a:pPr lvl="2"/>
             <a:r>
-              <a:rPr lang="en-US" smtClean="0"/>
+              <a:rPr lang="en-US"/>
               <a:t>Third level</a:t>
             </a:r>
           </a:p>
           <a:p>
             <a:pPr lvl="3"/>
             <a:r>
-              <a:rPr lang="en-US" smtClean="0"/>
+              <a:rPr lang="en-US"/>
               <a:t>Fourth level</a:t>
             </a:r>
           </a:p>
           <a:p>
             <a:pPr lvl="4"/>
             <a:r>
-              <a:rPr lang="en-US" smtClean="0"/>
+              <a:rPr lang="en-US"/>
               <a:t>Fifth level</a:t>
             </a:r>
-            <a:endParaRPr lang="en-US"/>
           </a:p>
         </p:txBody>
       </p:sp>
@@ -412,7 +413,7 @@
           <a:p>
             <a:fld id="{710028C3-478C-45F8-AF2E-265629991ED0}" type="datetimeFigureOut">
               <a:rPr lang="en-US" smtClean="0"/>
-              <a:t>2/7/2020</a:t>
+              <a:t>2/8/2020</a:t>
             </a:fld>
             <a:endParaRPr lang="en-US"/>
           </a:p>
@@ -511,10 +512,9 @@
           <a:lstStyle/>
           <a:p>
             <a:r>
-              <a:rPr lang="en-US" smtClean="0"/>
+              <a:rPr lang="en-US"/>
               <a:t>Click to edit Master title style</a:t>
             </a:r>
-            <a:endParaRPr lang="en-US"/>
           </a:p>
         </p:txBody>
       </p:sp>
@@ -540,38 +540,37 @@
           <a:p>
             <a:pPr lvl="0"/>
             <a:r>
-              <a:rPr lang="en-US" smtClean="0"/>
+              <a:rPr lang="en-US"/>
               <a:t>Edit Master text styles</a:t>
             </a:r>
           </a:p>
           <a:p>
             <a:pPr lvl="1"/>
             <a:r>
-              <a:rPr lang="en-US" smtClean="0"/>
+              <a:rPr lang="en-US"/>
               <a:t>Second level</a:t>
             </a:r>
           </a:p>
           <a:p>
             <a:pPr lvl="2"/>
             <a:r>
-              <a:rPr lang="en-US" smtClean="0"/>
+              <a:rPr lang="en-US"/>
               <a:t>Third level</a:t>
             </a:r>
           </a:p>
           <a:p>
             <a:pPr lvl="3"/>
             <a:r>
-              <a:rPr lang="en-US" smtClean="0"/>
+              <a:rPr lang="en-US"/>
               <a:t>Fourth level</a:t>
             </a:r>
           </a:p>
           <a:p>
             <a:pPr lvl="4"/>
             <a:r>
-              <a:rPr lang="en-US" smtClean="0"/>
+              <a:rPr lang="en-US"/>
               <a:t>Fifth level</a:t>
             </a:r>
-            <a:endParaRPr lang="en-US"/>
           </a:p>
         </p:txBody>
       </p:sp>
@@ -592,7 +591,7 @@
           <a:p>
             <a:fld id="{710028C3-478C-45F8-AF2E-265629991ED0}" type="datetimeFigureOut">
               <a:rPr lang="en-US" smtClean="0"/>
-              <a:t>2/7/2020</a:t>
+              <a:t>2/8/2020</a:t>
             </a:fld>
             <a:endParaRPr lang="en-US"/>
           </a:p>
@@ -686,10 +685,9 @@
           <a:lstStyle/>
           <a:p>
             <a:r>
-              <a:rPr lang="en-US" smtClean="0"/>
+              <a:rPr lang="en-US"/>
               <a:t>Click to edit Master title style</a:t>
             </a:r>
-            <a:endParaRPr lang="en-US"/>
           </a:p>
         </p:txBody>
       </p:sp>
@@ -710,38 +708,37 @@
           <a:p>
             <a:pPr lvl="0"/>
             <a:r>
-              <a:rPr lang="en-US" smtClean="0"/>
+              <a:rPr lang="en-US"/>
               <a:t>Edit Master text styles</a:t>
             </a:r>
           </a:p>
           <a:p>
             <a:pPr lvl="1"/>
             <a:r>
-              <a:rPr lang="en-US" smtClean="0"/>
+              <a:rPr lang="en-US"/>
               <a:t>Second level</a:t>
             </a:r>
           </a:p>
           <a:p>
             <a:pPr lvl="2"/>
             <a:r>
-              <a:rPr lang="en-US" smtClean="0"/>
+              <a:rPr lang="en-US"/>
               <a:t>Third level</a:t>
             </a:r>
           </a:p>
           <a:p>
             <a:pPr lvl="3"/>
             <a:r>
-              <a:rPr lang="en-US" smtClean="0"/>
+              <a:rPr lang="en-US"/>
               <a:t>Fourth level</a:t>
             </a:r>
           </a:p>
           <a:p>
             <a:pPr lvl="4"/>
             <a:r>
-              <a:rPr lang="en-US" smtClean="0"/>
+              <a:rPr lang="en-US"/>
               <a:t>Fifth level</a:t>
             </a:r>
-            <a:endParaRPr lang="en-US"/>
           </a:p>
         </p:txBody>
       </p:sp>
@@ -762,7 +759,7 @@
           <a:p>
             <a:fld id="{710028C3-478C-45F8-AF2E-265629991ED0}" type="datetimeFigureOut">
               <a:rPr lang="en-US" smtClean="0"/>
-              <a:t>2/7/2020</a:t>
+              <a:t>2/8/2020</a:t>
             </a:fld>
             <a:endParaRPr lang="en-US"/>
           </a:p>
@@ -865,10 +862,9 @@
           </a:lstStyle>
           <a:p>
             <a:r>
-              <a:rPr lang="en-US" smtClean="0"/>
+              <a:rPr lang="en-US"/>
               <a:t>Click to edit Master title style</a:t>
             </a:r>
-            <a:endParaRPr lang="en-US"/>
           </a:p>
         </p:txBody>
       </p:sp>
@@ -985,7 +981,7 @@
           <a:p>
             <a:pPr lvl="0"/>
             <a:r>
-              <a:rPr lang="en-US" smtClean="0"/>
+              <a:rPr lang="en-US"/>
               <a:t>Edit Master text styles</a:t>
             </a:r>
           </a:p>
@@ -1008,7 +1004,7 @@
           <a:p>
             <a:fld id="{710028C3-478C-45F8-AF2E-265629991ED0}" type="datetimeFigureOut">
               <a:rPr lang="en-US" smtClean="0"/>
-              <a:t>2/7/2020</a:t>
+              <a:t>2/8/2020</a:t>
             </a:fld>
             <a:endParaRPr lang="en-US"/>
           </a:p>
@@ -1102,10 +1098,9 @@
           <a:lstStyle/>
           <a:p>
             <a:r>
-              <a:rPr lang="en-US" smtClean="0"/>
+              <a:rPr lang="en-US"/>
               <a:t>Click to edit Master title style</a:t>
             </a:r>
-            <a:endParaRPr lang="en-US"/>
           </a:p>
         </p:txBody>
       </p:sp>
@@ -1131,38 +1126,37 @@
           <a:p>
             <a:pPr lvl="0"/>
             <a:r>
-              <a:rPr lang="en-US" smtClean="0"/>
+              <a:rPr lang="en-US"/>
               <a:t>Edit Master text styles</a:t>
             </a:r>
           </a:p>
           <a:p>
             <a:pPr lvl="1"/>
             <a:r>
-              <a:rPr lang="en-US" smtClean="0"/>
+              <a:rPr lang="en-US"/>
               <a:t>Second level</a:t>
             </a:r>
           </a:p>
           <a:p>
             <a:pPr lvl="2"/>
             <a:r>
-              <a:rPr lang="en-US" smtClean="0"/>
+              <a:rPr lang="en-US"/>
               <a:t>Third level</a:t>
             </a:r>
           </a:p>
           <a:p>
             <a:pPr lvl="3"/>
             <a:r>
-              <a:rPr lang="en-US" smtClean="0"/>
+              <a:rPr lang="en-US"/>
               <a:t>Fourth level</a:t>
             </a:r>
           </a:p>
           <a:p>
             <a:pPr lvl="4"/>
             <a:r>
-              <a:rPr lang="en-US" smtClean="0"/>
+              <a:rPr lang="en-US"/>
               <a:t>Fifth level</a:t>
             </a:r>
-            <a:endParaRPr lang="en-US"/>
           </a:p>
         </p:txBody>
       </p:sp>
@@ -1188,38 +1182,37 @@
           <a:p>
             <a:pPr lvl="0"/>
             <a:r>
-              <a:rPr lang="en-US" smtClean="0"/>
+              <a:rPr lang="en-US"/>
               <a:t>Edit Master text styles</a:t>
             </a:r>
           </a:p>
           <a:p>
             <a:pPr lvl="1"/>
             <a:r>
-              <a:rPr lang="en-US" smtClean="0"/>
+              <a:rPr lang="en-US"/>
               <a:t>Second level</a:t>
             </a:r>
           </a:p>
           <a:p>
             <a:pPr lvl="2"/>
             <a:r>
-              <a:rPr lang="en-US" smtClean="0"/>
+              <a:rPr lang="en-US"/>
               <a:t>Third level</a:t>
             </a:r>
           </a:p>
           <a:p>
             <a:pPr lvl="3"/>
             <a:r>
-              <a:rPr lang="en-US" smtClean="0"/>
+              <a:rPr lang="en-US"/>
               <a:t>Fourth level</a:t>
             </a:r>
           </a:p>
           <a:p>
             <a:pPr lvl="4"/>
             <a:r>
-              <a:rPr lang="en-US" smtClean="0"/>
+              <a:rPr lang="en-US"/>
               <a:t>Fifth level</a:t>
             </a:r>
-            <a:endParaRPr lang="en-US"/>
           </a:p>
         </p:txBody>
       </p:sp>
@@ -1240,7 +1233,7 @@
           <a:p>
             <a:fld id="{710028C3-478C-45F8-AF2E-265629991ED0}" type="datetimeFigureOut">
               <a:rPr lang="en-US" smtClean="0"/>
-              <a:t>2/7/2020</a:t>
+              <a:t>2/8/2020</a:t>
             </a:fld>
             <a:endParaRPr lang="en-US"/>
           </a:p>
@@ -1339,10 +1332,9 @@
           <a:lstStyle/>
           <a:p>
             <a:r>
-              <a:rPr lang="en-US" smtClean="0"/>
+              <a:rPr lang="en-US"/>
               <a:t>Click to edit Master title style</a:t>
             </a:r>
-            <a:endParaRPr lang="en-US"/>
           </a:p>
         </p:txBody>
       </p:sp>
@@ -1405,7 +1397,7 @@
           <a:p>
             <a:pPr lvl="0"/>
             <a:r>
-              <a:rPr lang="en-US" smtClean="0"/>
+              <a:rPr lang="en-US"/>
               <a:t>Edit Master text styles</a:t>
             </a:r>
           </a:p>
@@ -1433,38 +1425,37 @@
           <a:p>
             <a:pPr lvl="0"/>
             <a:r>
-              <a:rPr lang="en-US" smtClean="0"/>
+              <a:rPr lang="en-US"/>
               <a:t>Edit Master text styles</a:t>
             </a:r>
           </a:p>
           <a:p>
             <a:pPr lvl="1"/>
             <a:r>
-              <a:rPr lang="en-US" smtClean="0"/>
+              <a:rPr lang="en-US"/>
               <a:t>Second level</a:t>
             </a:r>
           </a:p>
           <a:p>
             <a:pPr lvl="2"/>
             <a:r>
-              <a:rPr lang="en-US" smtClean="0"/>
+              <a:rPr lang="en-US"/>
               <a:t>Third level</a:t>
             </a:r>
           </a:p>
           <a:p>
             <a:pPr lvl="3"/>
             <a:r>
-              <a:rPr lang="en-US" smtClean="0"/>
+              <a:rPr lang="en-US"/>
               <a:t>Fourth level</a:t>
             </a:r>
           </a:p>
           <a:p>
             <a:pPr lvl="4"/>
             <a:r>
-              <a:rPr lang="en-US" smtClean="0"/>
+              <a:rPr lang="en-US"/>
               <a:t>Fifth level</a:t>
             </a:r>
-            <a:endParaRPr lang="en-US"/>
           </a:p>
         </p:txBody>
       </p:sp>
@@ -1527,7 +1518,7 @@
           <a:p>
             <a:pPr lvl="0"/>
             <a:r>
-              <a:rPr lang="en-US" smtClean="0"/>
+              <a:rPr lang="en-US"/>
               <a:t>Edit Master text styles</a:t>
             </a:r>
           </a:p>
@@ -1555,38 +1546,37 @@
           <a:p>
             <a:pPr lvl="0"/>
             <a:r>
-              <a:rPr lang="en-US" smtClean="0"/>
+              <a:rPr lang="en-US"/>
               <a:t>Edit Master text styles</a:t>
             </a:r>
           </a:p>
           <a:p>
             <a:pPr lvl="1"/>
             <a:r>
-              <a:rPr lang="en-US" smtClean="0"/>
+              <a:rPr lang="en-US"/>
               <a:t>Second level</a:t>
             </a:r>
           </a:p>
           <a:p>
             <a:pPr lvl="2"/>
             <a:r>
-              <a:rPr lang="en-US" smtClean="0"/>
+              <a:rPr lang="en-US"/>
               <a:t>Third level</a:t>
             </a:r>
           </a:p>
           <a:p>
             <a:pPr lvl="3"/>
             <a:r>
-              <a:rPr lang="en-US" smtClean="0"/>
+              <a:rPr lang="en-US"/>
               <a:t>Fourth level</a:t>
             </a:r>
           </a:p>
           <a:p>
             <a:pPr lvl="4"/>
             <a:r>
-              <a:rPr lang="en-US" smtClean="0"/>
+              <a:rPr lang="en-US"/>
               <a:t>Fifth level</a:t>
             </a:r>
-            <a:endParaRPr lang="en-US"/>
           </a:p>
         </p:txBody>
       </p:sp>
@@ -1607,7 +1597,7 @@
           <a:p>
             <a:fld id="{710028C3-478C-45F8-AF2E-265629991ED0}" type="datetimeFigureOut">
               <a:rPr lang="en-US" smtClean="0"/>
-              <a:t>2/7/2020</a:t>
+              <a:t>2/8/2020</a:t>
             </a:fld>
             <a:endParaRPr lang="en-US"/>
           </a:p>
@@ -1701,10 +1691,9 @@
           <a:lstStyle/>
           <a:p>
             <a:r>
-              <a:rPr lang="en-US" smtClean="0"/>
+              <a:rPr lang="en-US"/>
               <a:t>Click to edit Master title style</a:t>
             </a:r>
-            <a:endParaRPr lang="en-US"/>
           </a:p>
         </p:txBody>
       </p:sp>
@@ -1725,7 +1714,7 @@
           <a:p>
             <a:fld id="{710028C3-478C-45F8-AF2E-265629991ED0}" type="datetimeFigureOut">
               <a:rPr lang="en-US" smtClean="0"/>
-              <a:t>2/7/2020</a:t>
+              <a:t>2/8/2020</a:t>
             </a:fld>
             <a:endParaRPr lang="en-US"/>
           </a:p>
@@ -1820,7 +1809,7 @@
           <a:p>
             <a:fld id="{710028C3-478C-45F8-AF2E-265629991ED0}" type="datetimeFigureOut">
               <a:rPr lang="en-US" smtClean="0"/>
-              <a:t>2/7/2020</a:t>
+              <a:t>2/8/2020</a:t>
             </a:fld>
             <a:endParaRPr lang="en-US"/>
           </a:p>
@@ -1923,10 +1912,9 @@
           </a:lstStyle>
           <a:p>
             <a:r>
-              <a:rPr lang="en-US" smtClean="0"/>
+              <a:rPr lang="en-US"/>
               <a:t>Click to edit Master title style</a:t>
             </a:r>
-            <a:endParaRPr lang="en-US"/>
           </a:p>
         </p:txBody>
       </p:sp>
@@ -1980,38 +1968,37 @@
           <a:p>
             <a:pPr lvl="0"/>
             <a:r>
-              <a:rPr lang="en-US" smtClean="0"/>
+              <a:rPr lang="en-US"/>
               <a:t>Edit Master text styles</a:t>
             </a:r>
           </a:p>
           <a:p>
             <a:pPr lvl="1"/>
             <a:r>
-              <a:rPr lang="en-US" smtClean="0"/>
+              <a:rPr lang="en-US"/>
               <a:t>Second level</a:t>
             </a:r>
           </a:p>
           <a:p>
             <a:pPr lvl="2"/>
             <a:r>
-              <a:rPr lang="en-US" smtClean="0"/>
+              <a:rPr lang="en-US"/>
               <a:t>Third level</a:t>
             </a:r>
           </a:p>
           <a:p>
             <a:pPr lvl="3"/>
             <a:r>
-              <a:rPr lang="en-US" smtClean="0"/>
+              <a:rPr lang="en-US"/>
               <a:t>Fourth level</a:t>
             </a:r>
           </a:p>
           <a:p>
             <a:pPr lvl="4"/>
             <a:r>
-              <a:rPr lang="en-US" smtClean="0"/>
+              <a:rPr lang="en-US"/>
               <a:t>Fifth level</a:t>
             </a:r>
-            <a:endParaRPr lang="en-US"/>
           </a:p>
         </p:txBody>
       </p:sp>
@@ -2074,7 +2061,7 @@
           <a:p>
             <a:pPr lvl="0"/>
             <a:r>
-              <a:rPr lang="en-US" smtClean="0"/>
+              <a:rPr lang="en-US"/>
               <a:t>Edit Master text styles</a:t>
             </a:r>
           </a:p>
@@ -2097,7 +2084,7 @@
           <a:p>
             <a:fld id="{710028C3-478C-45F8-AF2E-265629991ED0}" type="datetimeFigureOut">
               <a:rPr lang="en-US" smtClean="0"/>
-              <a:t>2/7/2020</a:t>
+              <a:t>2/8/2020</a:t>
             </a:fld>
             <a:endParaRPr lang="en-US"/>
           </a:p>
@@ -2200,10 +2187,9 @@
           </a:lstStyle>
           <a:p>
             <a:r>
-              <a:rPr lang="en-US" smtClean="0"/>
+              <a:rPr lang="en-US"/>
               <a:t>Click to edit Master title style</a:t>
             </a:r>
-            <a:endParaRPr lang="en-US"/>
           </a:p>
         </p:txBody>
       </p:sp>
@@ -2327,7 +2313,7 @@
           <a:p>
             <a:pPr lvl="0"/>
             <a:r>
-              <a:rPr lang="en-US" smtClean="0"/>
+              <a:rPr lang="en-US"/>
               <a:t>Edit Master text styles</a:t>
             </a:r>
           </a:p>
@@ -2350,7 +2336,7 @@
           <a:p>
             <a:fld id="{710028C3-478C-45F8-AF2E-265629991ED0}" type="datetimeFigureOut">
               <a:rPr lang="en-US" smtClean="0"/>
-              <a:t>2/7/2020</a:t>
+              <a:t>2/8/2020</a:t>
             </a:fld>
             <a:endParaRPr lang="en-US"/>
           </a:p>
@@ -2459,10 +2445,9 @@
           <a:lstStyle/>
           <a:p>
             <a:r>
-              <a:rPr lang="en-US" smtClean="0"/>
+              <a:rPr lang="en-US"/>
               <a:t>Click to edit Master title style</a:t>
             </a:r>
-            <a:endParaRPr lang="en-US"/>
           </a:p>
         </p:txBody>
       </p:sp>
@@ -2493,38 +2478,37 @@
           <a:p>
             <a:pPr lvl="0"/>
             <a:r>
-              <a:rPr lang="en-US" smtClean="0"/>
+              <a:rPr lang="en-US"/>
               <a:t>Edit Master text styles</a:t>
             </a:r>
           </a:p>
           <a:p>
             <a:pPr lvl="1"/>
             <a:r>
-              <a:rPr lang="en-US" smtClean="0"/>
+              <a:rPr lang="en-US"/>
               <a:t>Second level</a:t>
             </a:r>
           </a:p>
           <a:p>
             <a:pPr lvl="2"/>
             <a:r>
-              <a:rPr lang="en-US" smtClean="0"/>
+              <a:rPr lang="en-US"/>
               <a:t>Third level</a:t>
             </a:r>
           </a:p>
           <a:p>
             <a:pPr lvl="3"/>
             <a:r>
-              <a:rPr lang="en-US" smtClean="0"/>
+              <a:rPr lang="en-US"/>
               <a:t>Fourth level</a:t>
             </a:r>
           </a:p>
           <a:p>
             <a:pPr lvl="4"/>
             <a:r>
-              <a:rPr lang="en-US" smtClean="0"/>
+              <a:rPr lang="en-US"/>
               <a:t>Fifth level</a:t>
             </a:r>
-            <a:endParaRPr lang="en-US"/>
           </a:p>
         </p:txBody>
       </p:sp>
@@ -2563,7 +2547,7 @@
           <a:p>
             <a:fld id="{710028C3-478C-45F8-AF2E-265629991ED0}" type="datetimeFigureOut">
               <a:rPr lang="en-US" smtClean="0"/>
-              <a:t>2/7/2020</a:t>
+              <a:t>2/8/2020</a:t>
             </a:fld>
             <a:endParaRPr lang="en-US"/>
           </a:p>
@@ -2984,20 +2968,17 @@
           <a:lstStyle/>
           <a:p>
             <a:r>
-              <a:rPr lang="en-US" dirty="0" err="1" smtClean="0">
+              <a:rPr lang="en-US" dirty="0" err="1">
                 <a:latin typeface="ArcadeClassic" panose="00000400000000000000" pitchFamily="2" charset="0"/>
               </a:rPr>
               <a:t>DinoRun</a:t>
             </a:r>
             <a:r>
-              <a:rPr lang="en-US" dirty="0" smtClean="0">
+              <a:rPr lang="en-US" dirty="0">
                 <a:latin typeface="ArcadeClassic" panose="00000400000000000000" pitchFamily="2" charset="0"/>
               </a:rPr>
               <a:t>  GX</a:t>
             </a:r>
-            <a:endParaRPr lang="en-US" dirty="0">
-              <a:latin typeface="ArcadeClassic" panose="00000400000000000000" pitchFamily="2" charset="0"/>
-            </a:endParaRPr>
           </a:p>
         </p:txBody>
       </p:sp>
@@ -3137,14 +3118,11 @@
           <a:lstStyle/>
           <a:p>
             <a:r>
-              <a:rPr lang="en-US" dirty="0" smtClean="0">
+              <a:rPr lang="en-US" dirty="0">
                 <a:latin typeface="ArcadeClassic" panose="00000400000000000000" pitchFamily="2" charset="0"/>
               </a:rPr>
               <a:t>Team  members</a:t>
             </a:r>
-            <a:endParaRPr lang="en-US" dirty="0">
-              <a:latin typeface="ArcadeClassic" panose="00000400000000000000" pitchFamily="2" charset="0"/>
-            </a:endParaRPr>
           </a:p>
         </p:txBody>
       </p:sp>
@@ -3164,20 +3142,20 @@
           <a:lstStyle/>
           <a:p>
             <a:r>
-              <a:rPr lang="en-US" dirty="0" smtClean="0">
+              <a:rPr lang="en-US" dirty="0">
                 <a:latin typeface="ArcadeClassic" panose="00000400000000000000" pitchFamily="2" charset="0"/>
               </a:rPr>
               <a:t>Nathan  Vandevoort </a:t>
             </a:r>
             <a:r>
-              <a:rPr lang="en-US" dirty="0" smtClean="0">
+              <a:rPr lang="en-US" dirty="0">
                 <a:latin typeface="Adobe Gothic Std B" panose="020B0800000000000000" pitchFamily="34" charset="-128"/>
                 <a:ea typeface="Adobe Gothic Std B" panose="020B0800000000000000" pitchFamily="34" charset="-128"/>
               </a:rPr>
               <a:t>– </a:t>
             </a:r>
             <a:r>
-              <a:rPr lang="en-US" dirty="0" smtClean="0">
+              <a:rPr lang="en-US" dirty="0">
                 <a:latin typeface="ArcadeClassic" panose="00000400000000000000" pitchFamily="2" charset="0"/>
                 <a:ea typeface="Adobe Gothic Std B" panose="020B0800000000000000" pitchFamily="34" charset="-128"/>
               </a:rPr>
@@ -3186,35 +3164,35 @@
           </a:p>
           <a:p>
             <a:r>
-              <a:rPr lang="en-US" dirty="0" smtClean="0">
+              <a:rPr lang="en-US" dirty="0">
                 <a:latin typeface="ArcadeClassic" panose="00000400000000000000" pitchFamily="2" charset="0"/>
                 <a:ea typeface="Adobe Gothic Std B" panose="020B0800000000000000" pitchFamily="34" charset="-128"/>
               </a:rPr>
               <a:t>Cam  </a:t>
             </a:r>
             <a:r>
-              <a:rPr lang="en-US" dirty="0" err="1" smtClean="0">
+              <a:rPr lang="en-US" dirty="0" err="1">
                 <a:latin typeface="ArcadeClassic" panose="00000400000000000000" pitchFamily="2" charset="0"/>
                 <a:ea typeface="Adobe Gothic Std B" panose="020B0800000000000000" pitchFamily="34" charset="-128"/>
               </a:rPr>
               <a:t>gibb</a:t>
             </a:r>
             <a:r>
-              <a:rPr lang="en-US" dirty="0" smtClean="0">
+              <a:rPr lang="en-US" dirty="0">
                 <a:latin typeface="ArcadeClassic" panose="00000400000000000000" pitchFamily="2" charset="0"/>
                 <a:ea typeface="Adobe Gothic Std B" panose="020B0800000000000000" pitchFamily="34" charset="-128"/>
               </a:rPr>
               <a:t> </a:t>
             </a:r>
             <a:r>
-              <a:rPr lang="en-US" dirty="0" smtClean="0">
+              <a:rPr lang="en-US" dirty="0">
                 <a:latin typeface="Adobe Gothic Std B" panose="020B0800000000000000" pitchFamily="34" charset="-128"/>
                 <a:ea typeface="Adobe Gothic Std B" panose="020B0800000000000000" pitchFamily="34" charset="-128"/>
               </a:rPr>
               <a:t>–</a:t>
             </a:r>
             <a:r>
-              <a:rPr lang="en-US" dirty="0" smtClean="0">
+              <a:rPr lang="en-US" dirty="0">
                 <a:latin typeface="ArcadeClassic" panose="00000400000000000000" pitchFamily="2" charset="0"/>
                 <a:ea typeface="Adobe Gothic Std B" panose="020B0800000000000000" pitchFamily="34" charset="-128"/>
               </a:rPr>
@@ -3223,35 +3201,35 @@
           </a:p>
           <a:p>
             <a:r>
-              <a:rPr lang="en-US" dirty="0" smtClean="0">
+              <a:rPr lang="en-US" dirty="0">
                 <a:latin typeface="ArcadeClassic" panose="00000400000000000000" pitchFamily="2" charset="0"/>
                 <a:ea typeface="Adobe Gothic Std B" panose="020B0800000000000000" pitchFamily="34" charset="-128"/>
               </a:rPr>
               <a:t>Natalia  </a:t>
             </a:r>
             <a:r>
-              <a:rPr lang="en-US" dirty="0" err="1" smtClean="0">
+              <a:rPr lang="en-US" dirty="0" err="1">
                 <a:latin typeface="ArcadeClassic" panose="00000400000000000000" pitchFamily="2" charset="0"/>
                 <a:ea typeface="Adobe Gothic Std B" panose="020B0800000000000000" pitchFamily="34" charset="-128"/>
               </a:rPr>
               <a:t>perez</a:t>
             </a:r>
             <a:r>
-              <a:rPr lang="en-US" dirty="0" smtClean="0">
+              <a:rPr lang="en-US" dirty="0">
                 <a:latin typeface="ArcadeClassic" panose="00000400000000000000" pitchFamily="2" charset="0"/>
                 <a:ea typeface="Adobe Gothic Std B" panose="020B0800000000000000" pitchFamily="34" charset="-128"/>
               </a:rPr>
               <a:t> </a:t>
             </a:r>
             <a:r>
-              <a:rPr lang="en-US" dirty="0" smtClean="0">
+              <a:rPr lang="en-US" dirty="0">
                 <a:latin typeface="Adobe Gothic Std B" panose="020B0800000000000000" pitchFamily="34" charset="-128"/>
                 <a:ea typeface="Adobe Gothic Std B" panose="020B0800000000000000" pitchFamily="34" charset="-128"/>
               </a:rPr>
               <a:t>–</a:t>
             </a:r>
             <a:r>
-              <a:rPr lang="en-US" dirty="0" smtClean="0">
+              <a:rPr lang="en-US" dirty="0">
                 <a:latin typeface="ArcadeClassic" panose="00000400000000000000" pitchFamily="2" charset="0"/>
                 <a:ea typeface="Adobe Gothic Std B" panose="020B0800000000000000" pitchFamily="34" charset="-128"/>
               </a:rPr>
@@ -3260,35 +3238,35 @@
           </a:p>
           <a:p>
             <a:r>
-              <a:rPr lang="en-US" dirty="0" smtClean="0">
+              <a:rPr lang="en-US" dirty="0">
                 <a:latin typeface="ArcadeClassic" panose="00000400000000000000" pitchFamily="2" charset="0"/>
                 <a:ea typeface="Adobe Gothic Std B" panose="020B0800000000000000" pitchFamily="34" charset="-128"/>
               </a:rPr>
               <a:t>Alex  </a:t>
             </a:r>
             <a:r>
-              <a:rPr lang="en-US" dirty="0" err="1" smtClean="0">
+              <a:rPr lang="en-US" dirty="0" err="1">
                 <a:latin typeface="ArcadeClassic" panose="00000400000000000000" pitchFamily="2" charset="0"/>
                 <a:ea typeface="Adobe Gothic Std B" panose="020B0800000000000000" pitchFamily="34" charset="-128"/>
               </a:rPr>
               <a:t>Dzius</a:t>
             </a:r>
             <a:r>
-              <a:rPr lang="en-US" dirty="0" smtClean="0">
+              <a:rPr lang="en-US" dirty="0">
                 <a:latin typeface="ArcadeClassic" panose="00000400000000000000" pitchFamily="2" charset="0"/>
                 <a:ea typeface="Adobe Gothic Std B" panose="020B0800000000000000" pitchFamily="34" charset="-128"/>
               </a:rPr>
               <a:t> </a:t>
             </a:r>
             <a:r>
-              <a:rPr lang="en-US" dirty="0" smtClean="0">
+              <a:rPr lang="en-US" dirty="0">
                 <a:latin typeface="Adobe Gothic Std B" panose="020B0800000000000000" pitchFamily="34" charset="-128"/>
                 <a:ea typeface="Adobe Gothic Std B" panose="020B0800000000000000" pitchFamily="34" charset="-128"/>
               </a:rPr>
               <a:t>–</a:t>
             </a:r>
             <a:r>
-              <a:rPr lang="en-US" dirty="0" smtClean="0">
+              <a:rPr lang="en-US" dirty="0">
                 <a:latin typeface="ArcadeClassic" panose="00000400000000000000" pitchFamily="2" charset="0"/>
                 <a:ea typeface="Adobe Gothic Std B" panose="020B0800000000000000" pitchFamily="34" charset="-128"/>
               </a:rPr>
@@ -3297,35 +3275,35 @@
           </a:p>
           <a:p>
             <a:r>
-              <a:rPr lang="en-US" dirty="0" smtClean="0">
+              <a:rPr lang="en-US" dirty="0">
                 <a:latin typeface="ArcadeClassic" panose="00000400000000000000" pitchFamily="2" charset="0"/>
                 <a:ea typeface="Adobe Gothic Std B" panose="020B0800000000000000" pitchFamily="34" charset="-128"/>
               </a:rPr>
               <a:t>Nick  </a:t>
             </a:r>
             <a:r>
-              <a:rPr lang="en-US" dirty="0" err="1" smtClean="0">
+              <a:rPr lang="en-US" dirty="0" err="1">
                 <a:latin typeface="ArcadeClassic" panose="00000400000000000000" pitchFamily="2" charset="0"/>
                 <a:ea typeface="Adobe Gothic Std B" panose="020B0800000000000000" pitchFamily="34" charset="-128"/>
               </a:rPr>
               <a:t>Erb</a:t>
             </a:r>
             <a:r>
-              <a:rPr lang="en-US" dirty="0" smtClean="0">
+              <a:rPr lang="en-US" dirty="0">
                 <a:latin typeface="ArcadeClassic" panose="00000400000000000000" pitchFamily="2" charset="0"/>
                 <a:ea typeface="Adobe Gothic Std B" panose="020B0800000000000000" pitchFamily="34" charset="-128"/>
               </a:rPr>
               <a:t> </a:t>
             </a:r>
             <a:r>
-              <a:rPr lang="en-US" dirty="0" smtClean="0">
+              <a:rPr lang="en-US" dirty="0">
                 <a:latin typeface="Adobe Gothic Std B" panose="020B0800000000000000" pitchFamily="34" charset="-128"/>
                 <a:ea typeface="Adobe Gothic Std B" panose="020B0800000000000000" pitchFamily="34" charset="-128"/>
               </a:rPr>
               <a:t>–</a:t>
             </a:r>
             <a:r>
-              <a:rPr lang="en-US" dirty="0" smtClean="0">
+              <a:rPr lang="en-US" dirty="0">
                 <a:latin typeface="ArcadeClassic" panose="00000400000000000000" pitchFamily="2" charset="0"/>
                 <a:ea typeface="Adobe Gothic Std B" panose="020B0800000000000000" pitchFamily="34" charset="-128"/>
               </a:rPr>
@@ -3334,21 +3312,21 @@
           </a:p>
           <a:p>
             <a:r>
-              <a:rPr lang="en-US" dirty="0" smtClean="0">
+              <a:rPr lang="en-US" dirty="0">
                 <a:latin typeface="ArcadeClassic" panose="00000400000000000000" pitchFamily="2" charset="0"/>
                 <a:ea typeface="Adobe Gothic Std B" panose="020B0800000000000000" pitchFamily="34" charset="-128"/>
               </a:rPr>
               <a:t>Isabella  king </a:t>
             </a:r>
             <a:r>
-              <a:rPr lang="en-US" dirty="0" smtClean="0">
+              <a:rPr lang="en-US" dirty="0">
                 <a:latin typeface="Adobe Gothic Std B" panose="020B0800000000000000" pitchFamily="34" charset="-128"/>
                 <a:ea typeface="Adobe Gothic Std B" panose="020B0800000000000000" pitchFamily="34" charset="-128"/>
               </a:rPr>
               <a:t>–</a:t>
             </a:r>
             <a:r>
-              <a:rPr lang="en-US" dirty="0" smtClean="0">
+              <a:rPr lang="en-US" dirty="0">
                 <a:latin typeface="ArcadeClassic" panose="00000400000000000000" pitchFamily="2" charset="0"/>
                 <a:ea typeface="Adobe Gothic Std B" panose="020B0800000000000000" pitchFamily="34" charset="-128"/>
               </a:rPr>
@@ -3625,7 +3603,7 @@
           <a:lstStyle/>
           <a:p>
             <a:r>
-              <a:rPr lang="en-US" sz="6000" dirty="0" err="1" smtClean="0">
+              <a:rPr lang="en-US" sz="6000" dirty="0" err="1">
                 <a:latin typeface="ArcadeClassic" panose="00000400000000000000" pitchFamily="2" charset="0"/>
               </a:rPr>
               <a:t>Trex</a:t>
@@ -3718,7 +3696,7 @@
         </p:blipFill>
         <p:spPr>
           <a:xfrm>
-            <a:off x="8769928" y="1059873"/>
+            <a:off x="9289125" y="938646"/>
             <a:ext cx="2701636" cy="4052454"/>
           </a:xfrm>
           <a:prstGeom prst="rect">
@@ -3748,7 +3726,7 @@
         </p:blipFill>
         <p:spPr>
           <a:xfrm>
-            <a:off x="6964333" y="1059873"/>
+            <a:off x="7189932" y="782782"/>
             <a:ext cx="1638300" cy="1905000"/>
           </a:xfrm>
           <a:prstGeom prst="rect">
@@ -3778,7 +3756,7 @@
         </p:blipFill>
         <p:spPr>
           <a:xfrm>
-            <a:off x="2308686" y="13855"/>
+            <a:off x="1290328" y="-101600"/>
             <a:ext cx="4572000" cy="6858000"/>
           </a:xfrm>
           <a:prstGeom prst="rect">
@@ -3809,17 +3787,50 @@
           <a:lstStyle/>
           <a:p>
             <a:r>
-              <a:rPr lang="en-US" sz="5400" dirty="0" smtClean="0">
+              <a:rPr lang="en-US" sz="5400" dirty="0">
                 <a:latin typeface="ArcadeClassic" panose="00000400000000000000" pitchFamily="2" charset="0"/>
               </a:rPr>
               <a:t>Pterodactyl</a:t>
             </a:r>
-            <a:endParaRPr lang="en-US" sz="5400" dirty="0">
-              <a:latin typeface="ArcadeClassic" panose="00000400000000000000" pitchFamily="2" charset="0"/>
-            </a:endParaRPr>
-          </a:p>
-        </p:txBody>
-      </p:sp>
+          </a:p>
+        </p:txBody>
+      </p:sp>
+      <p:pic>
+        <p:nvPicPr>
+          <p:cNvPr id="10" name="Picture 9" descr="A picture containing food, tree&#10;&#10;Description automatically generated">
+            <a:extLst>
+              <a:ext uri="{FF2B5EF4-FFF2-40B4-BE49-F238E27FC236}">
+                <a16:creationId xmlns:a16="http://schemas.microsoft.com/office/drawing/2014/main" id="{FE513FF0-8FFD-4165-AB18-4655BAAC25D4}"/>
+              </a:ext>
+            </a:extLst>
+          </p:cNvPr>
+          <p:cNvPicPr>
+            <a:picLocks noChangeAspect="1"/>
+          </p:cNvPicPr>
+          <p:nvPr/>
+        </p:nvPicPr>
+        <p:blipFill>
+          <a:blip r:embed="rId6" cstate="print">
+            <a:extLst>
+              <a:ext uri="{28A0092B-C50C-407E-A947-70E740481C1C}">
+                <a14:useLocalDpi xmlns:a14="http://schemas.microsoft.com/office/drawing/2010/main" val="0"/>
+              </a:ext>
+            </a:extLst>
+          </a:blip>
+          <a:stretch>
+            <a:fillRect/>
+          </a:stretch>
+        </p:blipFill>
+        <p:spPr>
+          <a:xfrm>
+            <a:off x="5595504" y="3114962"/>
+            <a:ext cx="3188855" cy="3188855"/>
+          </a:xfrm>
+          <a:prstGeom prst="rect">
+            <a:avLst/>
+          </a:prstGeom>
+        </p:spPr>
+      </p:pic>
     </p:spTree>
     <p:extLst>
       <p:ext uri="{BB962C8B-B14F-4D97-AF65-F5344CB8AC3E}">
@@ -3902,7 +3913,7 @@
         </p:blipFill>
         <p:spPr>
           <a:xfrm>
-            <a:off x="4464396" y="2238894"/>
+            <a:off x="1331575" y="2476500"/>
             <a:ext cx="1638300" cy="1905000"/>
           </a:xfrm>
           <a:prstGeom prst="rect">
@@ -3932,7 +3943,7 @@
         </p:blipFill>
         <p:spPr>
           <a:xfrm>
-            <a:off x="7355379" y="1005839"/>
+            <a:off x="7312430" y="1583602"/>
             <a:ext cx="4563687" cy="4563687"/>
           </a:xfrm>
           <a:prstGeom prst="rect">
@@ -3963,17 +3974,122 @@
           <a:lstStyle/>
           <a:p>
             <a:r>
-              <a:rPr lang="en-US" sz="5400" dirty="0" smtClean="0">
+              <a:rPr lang="en-US" sz="5400" dirty="0">
                 <a:latin typeface="ArcadeClassic" panose="00000400000000000000" pitchFamily="2" charset="0"/>
               </a:rPr>
               <a:t>Background</a:t>
             </a:r>
-            <a:endParaRPr lang="en-US" sz="5400" dirty="0">
-              <a:latin typeface="ArcadeClassic" panose="00000400000000000000" pitchFamily="2" charset="0"/>
-            </a:endParaRPr>
-          </a:p>
-        </p:txBody>
-      </p:sp>
+          </a:p>
+        </p:txBody>
+      </p:sp>
+      <p:pic>
+        <p:nvPicPr>
+          <p:cNvPr id="3" name="Picture 2" descr="A picture containing pond, water&#10;&#10;Description automatically generated">
+            <a:extLst>
+              <a:ext uri="{FF2B5EF4-FFF2-40B4-BE49-F238E27FC236}">
+                <a16:creationId xmlns:a16="http://schemas.microsoft.com/office/drawing/2014/main" id="{5B8B9E23-7343-4D99-986E-51EA615DB089}"/>
+              </a:ext>
+            </a:extLst>
+          </p:cNvPr>
+          <p:cNvPicPr>
+            <a:picLocks noChangeAspect="1"/>
+          </p:cNvPicPr>
+          <p:nvPr/>
+        </p:nvPicPr>
+        <p:blipFill>
+          <a:blip r:embed="rId5">
+            <a:extLst>
+              <a:ext uri="{28A0092B-C50C-407E-A947-70E740481C1C}">
+                <a14:useLocalDpi xmlns:a14="http://schemas.microsoft.com/office/drawing/2010/main" val="0"/>
+              </a:ext>
+            </a:extLst>
+          </a:blip>
+          <a:stretch>
+            <a:fillRect/>
+          </a:stretch>
+        </p:blipFill>
+        <p:spPr>
+          <a:xfrm>
+            <a:off x="3574742" y="1621129"/>
+            <a:ext cx="3657600" cy="3657600"/>
+          </a:xfrm>
+          <a:prstGeom prst="rect">
+            <a:avLst/>
+          </a:prstGeom>
+        </p:spPr>
+      </p:pic>
+      <p:pic>
+        <p:nvPicPr>
+          <p:cNvPr id="9" name="Picture 8" descr="A picture containing flower&#10;&#10;Description automatically generated">
+            <a:extLst>
+              <a:ext uri="{FF2B5EF4-FFF2-40B4-BE49-F238E27FC236}">
+                <a16:creationId xmlns:a16="http://schemas.microsoft.com/office/drawing/2014/main" id="{DA1C6C56-F0E4-482D-A71F-5515E9AAEFBA}"/>
+              </a:ext>
+            </a:extLst>
+          </p:cNvPr>
+          <p:cNvPicPr>
+            <a:picLocks noChangeAspect="1"/>
+          </p:cNvPicPr>
+          <p:nvPr/>
+        </p:nvPicPr>
+        <p:blipFill>
+          <a:blip r:embed="rId6">
+            <a:extLst>
+              <a:ext uri="{28A0092B-C50C-407E-A947-70E740481C1C}">
+                <a14:useLocalDpi xmlns:a14="http://schemas.microsoft.com/office/drawing/2010/main" val="0"/>
+              </a:ext>
+            </a:extLst>
+          </a:blip>
+          <a:stretch>
+            <a:fillRect/>
+          </a:stretch>
+        </p:blipFill>
+        <p:spPr>
+          <a:xfrm>
+            <a:off x="6102696" y="5278729"/>
+            <a:ext cx="1006609" cy="1170476"/>
+          </a:xfrm>
+          <a:prstGeom prst="rect">
+            <a:avLst/>
+          </a:prstGeom>
+        </p:spPr>
+      </p:pic>
+      <p:pic>
+        <p:nvPicPr>
+          <p:cNvPr id="11" name="Picture 10" descr="A close up of a sign&#10;&#10;Description automatically generated">
+            <a:extLst>
+              <a:ext uri="{FF2B5EF4-FFF2-40B4-BE49-F238E27FC236}">
+                <a16:creationId xmlns:a16="http://schemas.microsoft.com/office/drawing/2014/main" id="{43080D1B-F3B8-4438-8727-2A582C334180}"/>
+              </a:ext>
+            </a:extLst>
+          </p:cNvPr>
+          <p:cNvPicPr>
+            <a:picLocks noChangeAspect="1"/>
+          </p:cNvPicPr>
+          <p:nvPr/>
+        </p:nvPicPr>
+        <p:blipFill>
+          <a:blip r:embed="rId7" cstate="print">
+            <a:extLst>
+              <a:ext uri="{28A0092B-C50C-407E-A947-70E740481C1C}">
+                <a14:useLocalDpi xmlns:a14="http://schemas.microsoft.com/office/drawing/2010/main" val="0"/>
+              </a:ext>
+            </a:extLst>
+          </a:blip>
+          <a:stretch>
+            <a:fillRect/>
+          </a:stretch>
+        </p:blipFill>
+        <p:spPr>
+          <a:xfrm>
+            <a:off x="1938781" y="4513266"/>
+            <a:ext cx="1333527" cy="1550613"/>
+          </a:xfrm>
+          <a:prstGeom prst="rect">
+            <a:avLst/>
+          </a:prstGeom>
+        </p:spPr>
+      </p:pic>
     </p:spTree>
     <p:extLst>
       <p:ext uri="{BB962C8B-B14F-4D97-AF65-F5344CB8AC3E}">

--- a/Nathan Vandevoort (Director)/DinoRun  GX.pptx
+++ b/Nathan Vandevoort (Director)/DinoRun  GX.pptx
@@ -245,7 +245,7 @@
           <a:p>
             <a:fld id="{710028C3-478C-45F8-AF2E-265629991ED0}" type="datetimeFigureOut">
               <a:rPr lang="en-US" smtClean="0"/>
-              <a:t>2/8/2020</a:t>
+              <a:t>2/10/2020</a:t>
             </a:fld>
             <a:endParaRPr lang="en-US"/>
           </a:p>
@@ -413,7 +413,7 @@
           <a:p>
             <a:fld id="{710028C3-478C-45F8-AF2E-265629991ED0}" type="datetimeFigureOut">
               <a:rPr lang="en-US" smtClean="0"/>
-              <a:t>2/8/2020</a:t>
+              <a:t>2/10/2020</a:t>
             </a:fld>
             <a:endParaRPr lang="en-US"/>
           </a:p>
@@ -591,7 +591,7 @@
           <a:p>
             <a:fld id="{710028C3-478C-45F8-AF2E-265629991ED0}" type="datetimeFigureOut">
               <a:rPr lang="en-US" smtClean="0"/>
-              <a:t>2/8/2020</a:t>
+              <a:t>2/10/2020</a:t>
             </a:fld>
             <a:endParaRPr lang="en-US"/>
           </a:p>
@@ -759,7 +759,7 @@
           <a:p>
             <a:fld id="{710028C3-478C-45F8-AF2E-265629991ED0}" type="datetimeFigureOut">
               <a:rPr lang="en-US" smtClean="0"/>
-              <a:t>2/8/2020</a:t>
+              <a:t>2/10/2020</a:t>
             </a:fld>
             <a:endParaRPr lang="en-US"/>
           </a:p>
@@ -1004,7 +1004,7 @@
           <a:p>
             <a:fld id="{710028C3-478C-45F8-AF2E-265629991ED0}" type="datetimeFigureOut">
               <a:rPr lang="en-US" smtClean="0"/>
-              <a:t>2/8/2020</a:t>
+              <a:t>2/10/2020</a:t>
             </a:fld>
             <a:endParaRPr lang="en-US"/>
           </a:p>
@@ -1233,7 +1233,7 @@
           <a:p>
             <a:fld id="{710028C3-478C-45F8-AF2E-265629991ED0}" type="datetimeFigureOut">
               <a:rPr lang="en-US" smtClean="0"/>
-              <a:t>2/8/2020</a:t>
+              <a:t>2/10/2020</a:t>
             </a:fld>
             <a:endParaRPr lang="en-US"/>
           </a:p>
@@ -1597,7 +1597,7 @@
           <a:p>
             <a:fld id="{710028C3-478C-45F8-AF2E-265629991ED0}" type="datetimeFigureOut">
               <a:rPr lang="en-US" smtClean="0"/>
-              <a:t>2/8/2020</a:t>
+              <a:t>2/10/2020</a:t>
             </a:fld>
             <a:endParaRPr lang="en-US"/>
           </a:p>
@@ -1714,7 +1714,7 @@
           <a:p>
             <a:fld id="{710028C3-478C-45F8-AF2E-265629991ED0}" type="datetimeFigureOut">
               <a:rPr lang="en-US" smtClean="0"/>
-              <a:t>2/8/2020</a:t>
+              <a:t>2/10/2020</a:t>
             </a:fld>
             <a:endParaRPr lang="en-US"/>
           </a:p>
@@ -1809,7 +1809,7 @@
           <a:p>
             <a:fld id="{710028C3-478C-45F8-AF2E-265629991ED0}" type="datetimeFigureOut">
               <a:rPr lang="en-US" smtClean="0"/>
-              <a:t>2/8/2020</a:t>
+              <a:t>2/10/2020</a:t>
             </a:fld>
             <a:endParaRPr lang="en-US"/>
           </a:p>
@@ -2084,7 +2084,7 @@
           <a:p>
             <a:fld id="{710028C3-478C-45F8-AF2E-265629991ED0}" type="datetimeFigureOut">
               <a:rPr lang="en-US" smtClean="0"/>
-              <a:t>2/8/2020</a:t>
+              <a:t>2/10/2020</a:t>
             </a:fld>
             <a:endParaRPr lang="en-US"/>
           </a:p>
@@ -2336,7 +2336,7 @@
           <a:p>
             <a:fld id="{710028C3-478C-45F8-AF2E-265629991ED0}" type="datetimeFigureOut">
               <a:rPr lang="en-US" smtClean="0"/>
-              <a:t>2/8/2020</a:t>
+              <a:t>2/10/2020</a:t>
             </a:fld>
             <a:endParaRPr lang="en-US"/>
           </a:p>
@@ -2547,7 +2547,7 @@
           <a:p>
             <a:fld id="{710028C3-478C-45F8-AF2E-265629991ED0}" type="datetimeFigureOut">
               <a:rPr lang="en-US" smtClean="0"/>
-              <a:t>2/8/2020</a:t>
+              <a:t>2/10/2020</a:t>
             </a:fld>
             <a:endParaRPr lang="en-US"/>
           </a:p>
@@ -2952,46 +2952,16 @@
           <a:chExt cx="0" cy="0"/>
         </a:xfrm>
       </p:grpSpPr>
-      <p:sp>
-        <p:nvSpPr>
-          <p:cNvPr id="2" name="Title 1"/>
-          <p:cNvSpPr>
-            <a:spLocks noGrp="1"/>
-          </p:cNvSpPr>
-          <p:nvPr>
-            <p:ph type="ctrTitle"/>
-          </p:nvPr>
-        </p:nvSpPr>
-        <p:spPr/>
-        <p:txBody>
-          <a:bodyPr/>
-          <a:lstStyle/>
-          <a:p>
-            <a:r>
-              <a:rPr lang="en-US" dirty="0" err="1">
-                <a:latin typeface="ArcadeClassic" panose="00000400000000000000" pitchFamily="2" charset="0"/>
-              </a:rPr>
-              <a:t>DinoRun</a:t>
-            </a:r>
-            <a:r>
-              <a:rPr lang="en-US" dirty="0">
-                <a:latin typeface="ArcadeClassic" panose="00000400000000000000" pitchFamily="2" charset="0"/>
-              </a:rPr>
-              <a:t>  GX</a:t>
-            </a:r>
-          </a:p>
-        </p:txBody>
-      </p:sp>
       <p:pic>
         <p:nvPicPr>
-          <p:cNvPr id="4" name="Picture 3"/>
+          <p:cNvPr id="6" name="Picture 5"/>
           <p:cNvPicPr>
             <a:picLocks noChangeAspect="1"/>
           </p:cNvPicPr>
           <p:nvPr/>
         </p:nvPicPr>
         <p:blipFill>
-          <a:blip r:embed="rId2">
+          <a:blip r:embed="rId2" cstate="print">
             <a:extLst>
               <a:ext uri="{28A0092B-C50C-407E-A947-70E740481C1C}">
                 <a14:useLocalDpi xmlns:a14="http://schemas.microsoft.com/office/drawing/2010/main" val="0"/>
@@ -3004,7 +2974,67 @@
         </p:blipFill>
         <p:spPr>
           <a:xfrm>
-            <a:off x="753947" y="954752"/>
+            <a:off x="-99753" y="5673899"/>
+            <a:ext cx="12404899" cy="1550612"/>
+          </a:xfrm>
+          <a:prstGeom prst="rect">
+            <a:avLst/>
+          </a:prstGeom>
+        </p:spPr>
+      </p:pic>
+      <p:pic>
+        <p:nvPicPr>
+          <p:cNvPr id="3" name="Picture 2"/>
+          <p:cNvPicPr>
+            <a:picLocks noChangeAspect="1"/>
+          </p:cNvPicPr>
+          <p:nvPr/>
+        </p:nvPicPr>
+        <p:blipFill>
+          <a:blip r:embed="rId3">
+            <a:extLst>
+              <a:ext uri="{28A0092B-C50C-407E-A947-70E740481C1C}">
+                <a14:useLocalDpi xmlns:a14="http://schemas.microsoft.com/office/drawing/2010/main" val="0"/>
+              </a:ext>
+            </a:extLst>
+          </a:blip>
+          <a:stretch>
+            <a:fillRect/>
+          </a:stretch>
+        </p:blipFill>
+        <p:spPr>
+          <a:xfrm>
+            <a:off x="1654233" y="997672"/>
+            <a:ext cx="9753600" cy="2438400"/>
+          </a:xfrm>
+          <a:prstGeom prst="rect">
+            <a:avLst/>
+          </a:prstGeom>
+        </p:spPr>
+      </p:pic>
+      <p:pic>
+        <p:nvPicPr>
+          <p:cNvPr id="4" name="Picture 3"/>
+          <p:cNvPicPr>
+            <a:picLocks noChangeAspect="1"/>
+          </p:cNvPicPr>
+          <p:nvPr/>
+        </p:nvPicPr>
+        <p:blipFill>
+          <a:blip r:embed="rId4">
+            <a:extLst>
+              <a:ext uri="{28A0092B-C50C-407E-A947-70E740481C1C}">
+                <a14:useLocalDpi xmlns:a14="http://schemas.microsoft.com/office/drawing/2010/main" val="0"/>
+              </a:ext>
+            </a:extLst>
+          </a:blip>
+          <a:stretch>
+            <a:fillRect/>
+          </a:stretch>
+        </p:blipFill>
+        <p:spPr>
+          <a:xfrm>
+            <a:off x="565266" y="3024621"/>
             <a:ext cx="3094846" cy="3598658"/>
           </a:xfrm>
           <a:prstGeom prst="rect">
@@ -3021,7 +3051,7 @@
           <p:nvPr/>
         </p:nvPicPr>
         <p:blipFill>
-          <a:blip r:embed="rId2">
+          <a:blip r:embed="rId4">
             <a:extLst>
               <a:ext uri="{28A0092B-C50C-407E-A947-70E740481C1C}">
                 <a14:useLocalDpi xmlns:a14="http://schemas.microsoft.com/office/drawing/2010/main" val="0"/>
@@ -3034,38 +3064,8 @@
         </p:blipFill>
         <p:spPr>
           <a:xfrm flipH="1">
-            <a:off x="8343207" y="1122363"/>
+            <a:off x="8575963" y="3024621"/>
             <a:ext cx="3094846" cy="3598658"/>
-          </a:xfrm>
-          <a:prstGeom prst="rect">
-            <a:avLst/>
-          </a:prstGeom>
-        </p:spPr>
-      </p:pic>
-      <p:pic>
-        <p:nvPicPr>
-          <p:cNvPr id="6" name="Picture 5"/>
-          <p:cNvPicPr>
-            <a:picLocks noChangeAspect="1"/>
-          </p:cNvPicPr>
-          <p:nvPr/>
-        </p:nvPicPr>
-        <p:blipFill>
-          <a:blip r:embed="rId3" cstate="print">
-            <a:extLst>
-              <a:ext uri="{28A0092B-C50C-407E-A947-70E740481C1C}">
-                <a14:useLocalDpi xmlns:a14="http://schemas.microsoft.com/office/drawing/2010/main" val="0"/>
-              </a:ext>
-            </a:extLst>
-          </a:blip>
-          <a:stretch>
-            <a:fillRect/>
-          </a:stretch>
-        </p:blipFill>
-        <p:spPr>
-          <a:xfrm>
-            <a:off x="-99753" y="5673899"/>
-            <a:ext cx="12404899" cy="1550612"/>
           </a:xfrm>
           <a:prstGeom prst="rect">
             <a:avLst/>
